--- a/FiveEasyPieces4.pptx
+++ b/FiveEasyPieces4.pptx
@@ -6115,14 +6115,14 @@
             <p:ph idx="1"/>
             <p:extLst>
               <p:ext uri="{D42A27DB-BD31-4B8C-83A1-F6EECF244321}">
-                <p14:modId xmlns:p14="http://schemas.microsoft.com/office/powerpoint/2010/main" val="311601286"/>
+                <p14:modId xmlns:p14="http://schemas.microsoft.com/office/powerpoint/2010/main" val="3699688373"/>
               </p:ext>
             </p:extLst>
           </p:nvPr>
         </p:nvGraphicFramePr>
         <p:xfrm>
           <a:off x="685800" y="1219200"/>
-          <a:ext cx="7773138" cy="1854200"/>
+          <a:ext cx="7773139" cy="1854200"/>
         </p:xfrm>
         <a:graphic>
           <a:graphicData uri="http://schemas.openxmlformats.org/drawingml/2006/table">
@@ -6131,9 +6131,10 @@
                 <a:tableStyleId>{5C22544A-7EE6-4342-B048-85BDC9FD1C3A}</a:tableStyleId>
               </a:tblPr>
               <a:tblGrid>
-                <a:gridCol w="3029673"/>
-                <a:gridCol w="2152419"/>
-                <a:gridCol w="2591046"/>
+                <a:gridCol w="2272255"/>
+                <a:gridCol w="1614314"/>
+                <a:gridCol w="1943285"/>
+                <a:gridCol w="1943285"/>
               </a:tblGrid>
               <a:tr h="370840">
                 <a:tc>
@@ -6369,6 +6370,73 @@
                     <a:noFill/>
                   </a:tcPr>
                 </a:tc>
+                <a:tc>
+                  <a:txBody>
+                    <a:bodyPr/>
+                    <a:lstStyle/>
+                    <a:p>
+                      <a:pPr algn="r"/>
+                      <a:r>
+                        <a:rPr lang="en-US" dirty="0" smtClean="0">
+                          <a:ln>
+                            <a:noFill/>
+                          </a:ln>
+                          <a:solidFill>
+                            <a:srgbClr val="FFFF00"/>
+                          </a:solidFill>
+                        </a:rPr>
+                        <a:t>Iterations</a:t>
+                      </a:r>
+                      <a:endParaRPr lang="en-US" dirty="0">
+                        <a:ln>
+                          <a:noFill/>
+                        </a:ln>
+                        <a:solidFill>
+                          <a:srgbClr val="FFFF00"/>
+                        </a:solidFill>
+                      </a:endParaRPr>
+                    </a:p>
+                  </a:txBody>
+                  <a:tcPr marL="116313" marR="116313">
+                    <a:lnL w="12700" cap="flat" cmpd="sng" algn="ctr">
+                      <a:solidFill>
+                        <a:srgbClr val="FFFF00"/>
+                      </a:solidFill>
+                      <a:prstDash val="solid"/>
+                      <a:round/>
+                      <a:headEnd type="none" w="med" len="med"/>
+                      <a:tailEnd type="none" w="med" len="med"/>
+                    </a:lnL>
+                    <a:lnR w="12700" cap="flat" cmpd="sng" algn="ctr">
+                      <a:solidFill>
+                        <a:srgbClr val="FFFF00"/>
+                      </a:solidFill>
+                      <a:prstDash val="solid"/>
+                      <a:round/>
+                      <a:headEnd type="none" w="med" len="med"/>
+                      <a:tailEnd type="none" w="med" len="med"/>
+                    </a:lnR>
+                    <a:lnT w="12700" cap="flat" cmpd="sng" algn="ctr">
+                      <a:solidFill>
+                        <a:srgbClr val="FFFF00"/>
+                      </a:solidFill>
+                      <a:prstDash val="solid"/>
+                      <a:round/>
+                      <a:headEnd type="none" w="med" len="med"/>
+                      <a:tailEnd type="none" w="med" len="med"/>
+                    </a:lnT>
+                    <a:lnB w="12700" cap="flat" cmpd="sng" algn="ctr">
+                      <a:solidFill>
+                        <a:srgbClr val="FFFF00"/>
+                      </a:solidFill>
+                      <a:prstDash val="solid"/>
+                      <a:round/>
+                      <a:headEnd type="none" w="med" len="med"/>
+                      <a:tailEnd type="none" w="med" len="med"/>
+                    </a:lnB>
+                    <a:noFill/>
+                  </a:tcPr>
+                </a:tc>
               </a:tr>
               <a:tr h="370840">
                 <a:tc>
@@ -6520,6 +6588,73 @@
                           </a:solidFill>
                         </a:rPr>
                         <a:t>210</a:t>
+                      </a:r>
+                      <a:endParaRPr lang="en-US" dirty="0">
+                        <a:ln>
+                          <a:noFill/>
+                        </a:ln>
+                        <a:solidFill>
+                          <a:srgbClr val="FFFF00"/>
+                        </a:solidFill>
+                      </a:endParaRPr>
+                    </a:p>
+                  </a:txBody>
+                  <a:tcPr marL="116313" marR="116313">
+                    <a:lnL w="12700" cap="flat" cmpd="sng" algn="ctr">
+                      <a:solidFill>
+                        <a:srgbClr val="FFFF00"/>
+                      </a:solidFill>
+                      <a:prstDash val="solid"/>
+                      <a:round/>
+                      <a:headEnd type="none" w="med" len="med"/>
+                      <a:tailEnd type="none" w="med" len="med"/>
+                    </a:lnL>
+                    <a:lnR w="12700" cap="flat" cmpd="sng" algn="ctr">
+                      <a:solidFill>
+                        <a:srgbClr val="FFFF00"/>
+                      </a:solidFill>
+                      <a:prstDash val="solid"/>
+                      <a:round/>
+                      <a:headEnd type="none" w="med" len="med"/>
+                      <a:tailEnd type="none" w="med" len="med"/>
+                    </a:lnR>
+                    <a:lnT w="12700" cap="flat" cmpd="sng" algn="ctr">
+                      <a:solidFill>
+                        <a:srgbClr val="FFFF00"/>
+                      </a:solidFill>
+                      <a:prstDash val="solid"/>
+                      <a:round/>
+                      <a:headEnd type="none" w="med" len="med"/>
+                      <a:tailEnd type="none" w="med" len="med"/>
+                    </a:lnT>
+                    <a:lnB w="12700" cap="flat" cmpd="sng" algn="ctr">
+                      <a:solidFill>
+                        <a:srgbClr val="FFFF00"/>
+                      </a:solidFill>
+                      <a:prstDash val="solid"/>
+                      <a:round/>
+                      <a:headEnd type="none" w="med" len="med"/>
+                      <a:tailEnd type="none" w="med" len="med"/>
+                    </a:lnB>
+                    <a:noFill/>
+                  </a:tcPr>
+                </a:tc>
+                <a:tc>
+                  <a:txBody>
+                    <a:bodyPr/>
+                    <a:lstStyle/>
+                    <a:p>
+                      <a:pPr algn="r"/>
+                      <a:r>
+                        <a:rPr lang="en-US" dirty="0" smtClean="0">
+                          <a:ln>
+                            <a:noFill/>
+                          </a:ln>
+                          <a:solidFill>
+                            <a:srgbClr val="FFFF00"/>
+                          </a:solidFill>
+                        </a:rPr>
+                        <a:t>810000</a:t>
                       </a:r>
                       <a:endParaRPr lang="en-US" dirty="0">
                         <a:ln>
@@ -6773,6 +6908,73 @@
                     <a:noFill/>
                   </a:tcPr>
                 </a:tc>
+                <a:tc>
+                  <a:txBody>
+                    <a:bodyPr/>
+                    <a:lstStyle/>
+                    <a:p>
+                      <a:pPr algn="r"/>
+                      <a:r>
+                        <a:rPr lang="en-US" dirty="0" smtClean="0">
+                          <a:ln>
+                            <a:noFill/>
+                          </a:ln>
+                          <a:solidFill>
+                            <a:srgbClr val="FFFF00"/>
+                          </a:solidFill>
+                        </a:rPr>
+                        <a:t>405450</a:t>
+                      </a:r>
+                      <a:endParaRPr lang="en-US" dirty="0">
+                        <a:ln>
+                          <a:noFill/>
+                        </a:ln>
+                        <a:solidFill>
+                          <a:srgbClr val="FFFF00"/>
+                        </a:solidFill>
+                      </a:endParaRPr>
+                    </a:p>
+                  </a:txBody>
+                  <a:tcPr marL="116313" marR="116313">
+                    <a:lnL w="12700" cap="flat" cmpd="sng" algn="ctr">
+                      <a:solidFill>
+                        <a:srgbClr val="FFFF00"/>
+                      </a:solidFill>
+                      <a:prstDash val="solid"/>
+                      <a:round/>
+                      <a:headEnd type="none" w="med" len="med"/>
+                      <a:tailEnd type="none" w="med" len="med"/>
+                    </a:lnL>
+                    <a:lnR w="12700" cap="flat" cmpd="sng" algn="ctr">
+                      <a:solidFill>
+                        <a:srgbClr val="FFFF00"/>
+                      </a:solidFill>
+                      <a:prstDash val="solid"/>
+                      <a:round/>
+                      <a:headEnd type="none" w="med" len="med"/>
+                      <a:tailEnd type="none" w="med" len="med"/>
+                    </a:lnR>
+                    <a:lnT w="12700" cap="flat" cmpd="sng" algn="ctr">
+                      <a:solidFill>
+                        <a:srgbClr val="FFFF00"/>
+                      </a:solidFill>
+                      <a:prstDash val="solid"/>
+                      <a:round/>
+                      <a:headEnd type="none" w="med" len="med"/>
+                      <a:tailEnd type="none" w="med" len="med"/>
+                    </a:lnT>
+                    <a:lnB w="12700" cap="flat" cmpd="sng" algn="ctr">
+                      <a:solidFill>
+                        <a:srgbClr val="FFFF00"/>
+                      </a:solidFill>
+                      <a:prstDash val="solid"/>
+                      <a:round/>
+                      <a:headEnd type="none" w="med" len="med"/>
+                      <a:tailEnd type="none" w="med" len="med"/>
+                    </a:lnB>
+                    <a:noFill/>
+                  </a:tcPr>
+                </a:tc>
               </a:tr>
               <a:tr h="370840">
                 <a:tc>
@@ -6924,6 +7126,73 @@
                           </a:solidFill>
                         </a:rPr>
                         <a:t>4.1</a:t>
+                      </a:r>
+                      <a:endParaRPr lang="en-US" dirty="0">
+                        <a:ln>
+                          <a:noFill/>
+                        </a:ln>
+                        <a:solidFill>
+                          <a:srgbClr val="FFFF00"/>
+                        </a:solidFill>
+                      </a:endParaRPr>
+                    </a:p>
+                  </a:txBody>
+                  <a:tcPr marL="116313" marR="116313">
+                    <a:lnL w="12700" cap="flat" cmpd="sng" algn="ctr">
+                      <a:solidFill>
+                        <a:srgbClr val="FFFF00"/>
+                      </a:solidFill>
+                      <a:prstDash val="solid"/>
+                      <a:round/>
+                      <a:headEnd type="none" w="med" len="med"/>
+                      <a:tailEnd type="none" w="med" len="med"/>
+                    </a:lnL>
+                    <a:lnR w="12700" cap="flat" cmpd="sng" algn="ctr">
+                      <a:solidFill>
+                        <a:srgbClr val="FFFF00"/>
+                      </a:solidFill>
+                      <a:prstDash val="solid"/>
+                      <a:round/>
+                      <a:headEnd type="none" w="med" len="med"/>
+                      <a:tailEnd type="none" w="med" len="med"/>
+                    </a:lnR>
+                    <a:lnT w="12700" cap="flat" cmpd="sng" algn="ctr">
+                      <a:solidFill>
+                        <a:srgbClr val="FFFF00"/>
+                      </a:solidFill>
+                      <a:prstDash val="solid"/>
+                      <a:round/>
+                      <a:headEnd type="none" w="med" len="med"/>
+                      <a:tailEnd type="none" w="med" len="med"/>
+                    </a:lnT>
+                    <a:lnB w="12700" cap="flat" cmpd="sng" algn="ctr">
+                      <a:solidFill>
+                        <a:srgbClr val="FFFF00"/>
+                      </a:solidFill>
+                      <a:prstDash val="solid"/>
+                      <a:round/>
+                      <a:headEnd type="none" w="med" len="med"/>
+                      <a:tailEnd type="none" w="med" len="med"/>
+                    </a:lnB>
+                    <a:noFill/>
+                  </a:tcPr>
+                </a:tc>
+                <a:tc>
+                  <a:txBody>
+                    <a:bodyPr/>
+                    <a:lstStyle/>
+                    <a:p>
+                      <a:pPr algn="r"/>
+                      <a:r>
+                        <a:rPr lang="en-US" dirty="0" smtClean="0">
+                          <a:ln>
+                            <a:noFill/>
+                          </a:ln>
+                          <a:solidFill>
+                            <a:srgbClr val="FFFF00"/>
+                          </a:solidFill>
+                        </a:rPr>
+                        <a:t>405450</a:t>
                       </a:r>
                       <a:endParaRPr lang="en-US" dirty="0">
                         <a:ln>
@@ -7126,6 +7395,73 @@
                           </a:solidFill>
                         </a:rPr>
                         <a:t>0.035</a:t>
+                      </a:r>
+                      <a:endParaRPr lang="en-US" dirty="0">
+                        <a:ln>
+                          <a:noFill/>
+                        </a:ln>
+                        <a:solidFill>
+                          <a:srgbClr val="FFFF00"/>
+                        </a:solidFill>
+                      </a:endParaRPr>
+                    </a:p>
+                  </a:txBody>
+                  <a:tcPr marL="116313" marR="116313">
+                    <a:lnL w="12700" cap="flat" cmpd="sng" algn="ctr">
+                      <a:solidFill>
+                        <a:srgbClr val="FFFF00"/>
+                      </a:solidFill>
+                      <a:prstDash val="solid"/>
+                      <a:round/>
+                      <a:headEnd type="none" w="med" len="med"/>
+                      <a:tailEnd type="none" w="med" len="med"/>
+                    </a:lnL>
+                    <a:lnR w="12700" cap="flat" cmpd="sng" algn="ctr">
+                      <a:solidFill>
+                        <a:srgbClr val="FFFF00"/>
+                      </a:solidFill>
+                      <a:prstDash val="solid"/>
+                      <a:round/>
+                      <a:headEnd type="none" w="med" len="med"/>
+                      <a:tailEnd type="none" w="med" len="med"/>
+                    </a:lnR>
+                    <a:lnT w="12700" cap="flat" cmpd="sng" algn="ctr">
+                      <a:solidFill>
+                        <a:srgbClr val="FFFF00"/>
+                      </a:solidFill>
+                      <a:prstDash val="solid"/>
+                      <a:round/>
+                      <a:headEnd type="none" w="med" len="med"/>
+                      <a:tailEnd type="none" w="med" len="med"/>
+                    </a:lnT>
+                    <a:lnB w="12700" cap="flat" cmpd="sng" algn="ctr">
+                      <a:solidFill>
+                        <a:srgbClr val="FFFF00"/>
+                      </a:solidFill>
+                      <a:prstDash val="solid"/>
+                      <a:round/>
+                      <a:headEnd type="none" w="med" len="med"/>
+                      <a:tailEnd type="none" w="med" len="med"/>
+                    </a:lnB>
+                    <a:noFill/>
+                  </a:tcPr>
+                </a:tc>
+                <a:tc>
+                  <a:txBody>
+                    <a:bodyPr/>
+                    <a:lstStyle/>
+                    <a:p>
+                      <a:pPr algn="r"/>
+                      <a:r>
+                        <a:rPr lang="en-US" dirty="0" smtClean="0">
+                          <a:ln>
+                            <a:noFill/>
+                          </a:ln>
+                          <a:solidFill>
+                            <a:srgbClr val="FFFF00"/>
+                          </a:solidFill>
+                        </a:rPr>
+                        <a:t>3975</a:t>
                       </a:r>
                       <a:endParaRPr lang="en-US" dirty="0">
                         <a:ln>
@@ -7468,7 +7804,7 @@
             </a:pPr>
             <a:r>
               <a:rPr lang="en-US" b="1" dirty="0"/>
-              <a:t>Largest palindrome product</a:t>
+              <a:t>Smallest multiple</a:t>
             </a:r>
           </a:p>
           <a:p>
@@ -7477,7 +7813,7 @@
             </a:pPr>
             <a:r>
               <a:rPr lang="en-US" b="1" dirty="0"/>
-              <a:t>Problem 4</a:t>
+              <a:t>Problem 5</a:t>
             </a:r>
           </a:p>
           <a:p>
@@ -7486,7 +7822,7 @@
             </a:pPr>
             <a:r>
               <a:rPr lang="en-US" dirty="0"/>
-              <a:t>A palindromic number reads the same both ways. The largest palindrome made from the product of two 2-digit numbers is 9009 = 91 × 99.</a:t>
+              <a:t>2520 is the smallest number that can be divided by each of the numbers from 1 to 10 without any remainder.</a:t>
             </a:r>
           </a:p>
           <a:p>
@@ -7495,7 +7831,7 @@
             </a:pPr>
             <a:r>
               <a:rPr lang="en-US" dirty="0"/>
-              <a:t>Find the largest palindrome made from the product of two 3-digit numbers.</a:t>
+              <a:t>What is the smallest positive number that is evenly divisible by all of the numbers from 1 to 20?</a:t>
             </a:r>
           </a:p>
         </p:txBody>
@@ -7616,22 +7952,7 @@
               <a:rPr lang="en-US" dirty="0">
                 <a:hlinkClick r:id="rId2"/>
               </a:rPr>
-              <a:t>://</a:t>
-            </a:r>
-            <a:r>
-              <a:rPr lang="en-US" dirty="0" smtClean="0">
-                <a:hlinkClick r:id="rId2"/>
-              </a:rPr>
-              <a:t>www.haskell.org/haskellwiki/Euler_problems/1_to_10</a:t>
-            </a:r>
-            <a:endParaRPr lang="en-US" dirty="0" smtClean="0"/>
-          </a:p>
-          <a:p>
-            <a:r>
-              <a:rPr lang="en-US" dirty="0">
-                <a:hlinkClick r:id="rId3"/>
-              </a:rPr>
-              <a:t>https://projecteuler.net/overview=003</a:t>
+              <a:t>://projecteuler.net/overview=004</a:t>
             </a:r>
             <a:endParaRPr lang="en-US" dirty="0" smtClean="0"/>
           </a:p>
@@ -9606,14 +9927,14 @@
             <p:ph idx="1"/>
             <p:extLst>
               <p:ext uri="{D42A27DB-BD31-4B8C-83A1-F6EECF244321}">
-                <p14:modId xmlns:p14="http://schemas.microsoft.com/office/powerpoint/2010/main" val="3886121293"/>
+                <p14:modId xmlns:p14="http://schemas.microsoft.com/office/powerpoint/2010/main" val="2549309285"/>
               </p:ext>
             </p:extLst>
           </p:nvPr>
         </p:nvGraphicFramePr>
         <p:xfrm>
           <a:off x="685800" y="1219200"/>
-          <a:ext cx="7773138" cy="1112520"/>
+          <a:ext cx="7773139" cy="1112520"/>
         </p:xfrm>
         <a:graphic>
           <a:graphicData uri="http://schemas.openxmlformats.org/drawingml/2006/table">
@@ -9622,9 +9943,10 @@
                 <a:tableStyleId>{5C22544A-7EE6-4342-B048-85BDC9FD1C3A}</a:tableStyleId>
               </a:tblPr>
               <a:tblGrid>
-                <a:gridCol w="3029673"/>
-                <a:gridCol w="2152419"/>
-                <a:gridCol w="2591046"/>
+                <a:gridCol w="2272255"/>
+                <a:gridCol w="1614314"/>
+                <a:gridCol w="1943285"/>
+                <a:gridCol w="1943285"/>
               </a:tblGrid>
               <a:tr h="370840">
                 <a:tc>
@@ -9860,6 +10182,73 @@
                     <a:noFill/>
                   </a:tcPr>
                 </a:tc>
+                <a:tc>
+                  <a:txBody>
+                    <a:bodyPr/>
+                    <a:lstStyle/>
+                    <a:p>
+                      <a:pPr algn="r"/>
+                      <a:r>
+                        <a:rPr lang="en-US" dirty="0" smtClean="0">
+                          <a:ln>
+                            <a:noFill/>
+                          </a:ln>
+                          <a:solidFill>
+                            <a:srgbClr val="FFFF00"/>
+                          </a:solidFill>
+                        </a:rPr>
+                        <a:t>Iterations</a:t>
+                      </a:r>
+                      <a:endParaRPr lang="en-US" dirty="0">
+                        <a:ln>
+                          <a:noFill/>
+                        </a:ln>
+                        <a:solidFill>
+                          <a:srgbClr val="FFFF00"/>
+                        </a:solidFill>
+                      </a:endParaRPr>
+                    </a:p>
+                  </a:txBody>
+                  <a:tcPr marL="116313" marR="116313">
+                    <a:lnL w="12700" cap="flat" cmpd="sng" algn="ctr">
+                      <a:solidFill>
+                        <a:srgbClr val="FFFF00"/>
+                      </a:solidFill>
+                      <a:prstDash val="solid"/>
+                      <a:round/>
+                      <a:headEnd type="none" w="med" len="med"/>
+                      <a:tailEnd type="none" w="med" len="med"/>
+                    </a:lnL>
+                    <a:lnR w="12700" cap="flat" cmpd="sng" algn="ctr">
+                      <a:solidFill>
+                        <a:srgbClr val="FFFF00"/>
+                      </a:solidFill>
+                      <a:prstDash val="solid"/>
+                      <a:round/>
+                      <a:headEnd type="none" w="med" len="med"/>
+                      <a:tailEnd type="none" w="med" len="med"/>
+                    </a:lnR>
+                    <a:lnT w="12700" cap="flat" cmpd="sng" algn="ctr">
+                      <a:solidFill>
+                        <a:srgbClr val="FFFF00"/>
+                      </a:solidFill>
+                      <a:prstDash val="solid"/>
+                      <a:round/>
+                      <a:headEnd type="none" w="med" len="med"/>
+                      <a:tailEnd type="none" w="med" len="med"/>
+                    </a:lnT>
+                    <a:lnB w="12700" cap="flat" cmpd="sng" algn="ctr">
+                      <a:solidFill>
+                        <a:srgbClr val="FFFF00"/>
+                      </a:solidFill>
+                      <a:prstDash val="solid"/>
+                      <a:round/>
+                      <a:headEnd type="none" w="med" len="med"/>
+                      <a:tailEnd type="none" w="med" len="med"/>
+                    </a:lnB>
+                    <a:noFill/>
+                  </a:tcPr>
+                </a:tc>
               </a:tr>
               <a:tr h="370840">
                 <a:tc>
@@ -10011,6 +10400,73 @@
                           </a:solidFill>
                         </a:rPr>
                         <a:t>210</a:t>
+                      </a:r>
+                      <a:endParaRPr lang="en-US" dirty="0">
+                        <a:ln>
+                          <a:noFill/>
+                        </a:ln>
+                        <a:solidFill>
+                          <a:srgbClr val="FFFF00"/>
+                        </a:solidFill>
+                      </a:endParaRPr>
+                    </a:p>
+                  </a:txBody>
+                  <a:tcPr marL="116313" marR="116313">
+                    <a:lnL w="12700" cap="flat" cmpd="sng" algn="ctr">
+                      <a:solidFill>
+                        <a:srgbClr val="FFFF00"/>
+                      </a:solidFill>
+                      <a:prstDash val="solid"/>
+                      <a:round/>
+                      <a:headEnd type="none" w="med" len="med"/>
+                      <a:tailEnd type="none" w="med" len="med"/>
+                    </a:lnL>
+                    <a:lnR w="12700" cap="flat" cmpd="sng" algn="ctr">
+                      <a:solidFill>
+                        <a:srgbClr val="FFFF00"/>
+                      </a:solidFill>
+                      <a:prstDash val="solid"/>
+                      <a:round/>
+                      <a:headEnd type="none" w="med" len="med"/>
+                      <a:tailEnd type="none" w="med" len="med"/>
+                    </a:lnR>
+                    <a:lnT w="12700" cap="flat" cmpd="sng" algn="ctr">
+                      <a:solidFill>
+                        <a:srgbClr val="FFFF00"/>
+                      </a:solidFill>
+                      <a:prstDash val="solid"/>
+                      <a:round/>
+                      <a:headEnd type="none" w="med" len="med"/>
+                      <a:tailEnd type="none" w="med" len="med"/>
+                    </a:lnT>
+                    <a:lnB w="12700" cap="flat" cmpd="sng" algn="ctr">
+                      <a:solidFill>
+                        <a:srgbClr val="FFFF00"/>
+                      </a:solidFill>
+                      <a:prstDash val="solid"/>
+                      <a:round/>
+                      <a:headEnd type="none" w="med" len="med"/>
+                      <a:tailEnd type="none" w="med" len="med"/>
+                    </a:lnB>
+                    <a:noFill/>
+                  </a:tcPr>
+                </a:tc>
+                <a:tc>
+                  <a:txBody>
+                    <a:bodyPr/>
+                    <a:lstStyle/>
+                    <a:p>
+                      <a:pPr algn="r"/>
+                      <a:r>
+                        <a:rPr lang="en-US" dirty="0" smtClean="0">
+                          <a:ln>
+                            <a:noFill/>
+                          </a:ln>
+                          <a:solidFill>
+                            <a:srgbClr val="FFFF00"/>
+                          </a:solidFill>
+                        </a:rPr>
+                        <a:t>810000</a:t>
                       </a:r>
                       <a:endParaRPr lang="en-US" dirty="0">
                         <a:ln>
@@ -10213,6 +10669,73 @@
                           </a:solidFill>
                         </a:rPr>
                         <a:t>100</a:t>
+                      </a:r>
+                      <a:endParaRPr lang="en-US" dirty="0">
+                        <a:ln>
+                          <a:noFill/>
+                        </a:ln>
+                        <a:solidFill>
+                          <a:srgbClr val="FFFF00"/>
+                        </a:solidFill>
+                      </a:endParaRPr>
+                    </a:p>
+                  </a:txBody>
+                  <a:tcPr marL="116313" marR="116313">
+                    <a:lnL w="12700" cap="flat" cmpd="sng" algn="ctr">
+                      <a:solidFill>
+                        <a:srgbClr val="FFFF00"/>
+                      </a:solidFill>
+                      <a:prstDash val="solid"/>
+                      <a:round/>
+                      <a:headEnd type="none" w="med" len="med"/>
+                      <a:tailEnd type="none" w="med" len="med"/>
+                    </a:lnL>
+                    <a:lnR w="12700" cap="flat" cmpd="sng" algn="ctr">
+                      <a:solidFill>
+                        <a:srgbClr val="FFFF00"/>
+                      </a:solidFill>
+                      <a:prstDash val="solid"/>
+                      <a:round/>
+                      <a:headEnd type="none" w="med" len="med"/>
+                      <a:tailEnd type="none" w="med" len="med"/>
+                    </a:lnR>
+                    <a:lnT w="12700" cap="flat" cmpd="sng" algn="ctr">
+                      <a:solidFill>
+                        <a:srgbClr val="FFFF00"/>
+                      </a:solidFill>
+                      <a:prstDash val="solid"/>
+                      <a:round/>
+                      <a:headEnd type="none" w="med" len="med"/>
+                      <a:tailEnd type="none" w="med" len="med"/>
+                    </a:lnT>
+                    <a:lnB w="12700" cap="flat" cmpd="sng" algn="ctr">
+                      <a:solidFill>
+                        <a:srgbClr val="FFFF00"/>
+                      </a:solidFill>
+                      <a:prstDash val="solid"/>
+                      <a:round/>
+                      <a:headEnd type="none" w="med" len="med"/>
+                      <a:tailEnd type="none" w="med" len="med"/>
+                    </a:lnB>
+                    <a:noFill/>
+                  </a:tcPr>
+                </a:tc>
+                <a:tc>
+                  <a:txBody>
+                    <a:bodyPr/>
+                    <a:lstStyle/>
+                    <a:p>
+                      <a:pPr algn="r"/>
+                      <a:r>
+                        <a:rPr lang="en-US" dirty="0" smtClean="0">
+                          <a:ln>
+                            <a:noFill/>
+                          </a:ln>
+                          <a:solidFill>
+                            <a:srgbClr val="FFFF00"/>
+                          </a:solidFill>
+                        </a:rPr>
+                        <a:t>405450</a:t>
                       </a:r>
                       <a:endParaRPr lang="en-US" dirty="0">
                         <a:ln>
@@ -10970,14 +11493,14 @@
             <p:ph idx="1"/>
             <p:extLst>
               <p:ext uri="{D42A27DB-BD31-4B8C-83A1-F6EECF244321}">
-                <p14:modId xmlns:p14="http://schemas.microsoft.com/office/powerpoint/2010/main" val="3265563752"/>
+                <p14:modId xmlns:p14="http://schemas.microsoft.com/office/powerpoint/2010/main" val="594899519"/>
               </p:ext>
             </p:extLst>
           </p:nvPr>
         </p:nvGraphicFramePr>
         <p:xfrm>
           <a:off x="685800" y="1219200"/>
-          <a:ext cx="7773138" cy="1483360"/>
+          <a:ext cx="7773139" cy="1483360"/>
         </p:xfrm>
         <a:graphic>
           <a:graphicData uri="http://schemas.openxmlformats.org/drawingml/2006/table">
@@ -10986,9 +11509,10 @@
                 <a:tableStyleId>{5C22544A-7EE6-4342-B048-85BDC9FD1C3A}</a:tableStyleId>
               </a:tblPr>
               <a:tblGrid>
-                <a:gridCol w="3029673"/>
-                <a:gridCol w="2152419"/>
-                <a:gridCol w="2591046"/>
+                <a:gridCol w="2272255"/>
+                <a:gridCol w="1614314"/>
+                <a:gridCol w="1943285"/>
+                <a:gridCol w="1943285"/>
               </a:tblGrid>
               <a:tr h="370840">
                 <a:tc>
@@ -11224,6 +11748,73 @@
                     <a:noFill/>
                   </a:tcPr>
                 </a:tc>
+                <a:tc>
+                  <a:txBody>
+                    <a:bodyPr/>
+                    <a:lstStyle/>
+                    <a:p>
+                      <a:pPr algn="r"/>
+                      <a:r>
+                        <a:rPr lang="en-US" dirty="0" smtClean="0">
+                          <a:ln>
+                            <a:noFill/>
+                          </a:ln>
+                          <a:solidFill>
+                            <a:srgbClr val="FFFF00"/>
+                          </a:solidFill>
+                        </a:rPr>
+                        <a:t>Iterations</a:t>
+                      </a:r>
+                      <a:endParaRPr lang="en-US" dirty="0">
+                        <a:ln>
+                          <a:noFill/>
+                        </a:ln>
+                        <a:solidFill>
+                          <a:srgbClr val="FFFF00"/>
+                        </a:solidFill>
+                      </a:endParaRPr>
+                    </a:p>
+                  </a:txBody>
+                  <a:tcPr marL="116313" marR="116313">
+                    <a:lnL w="12700" cap="flat" cmpd="sng" algn="ctr">
+                      <a:solidFill>
+                        <a:srgbClr val="FFFF00"/>
+                      </a:solidFill>
+                      <a:prstDash val="solid"/>
+                      <a:round/>
+                      <a:headEnd type="none" w="med" len="med"/>
+                      <a:tailEnd type="none" w="med" len="med"/>
+                    </a:lnL>
+                    <a:lnR w="12700" cap="flat" cmpd="sng" algn="ctr">
+                      <a:solidFill>
+                        <a:srgbClr val="FFFF00"/>
+                      </a:solidFill>
+                      <a:prstDash val="solid"/>
+                      <a:round/>
+                      <a:headEnd type="none" w="med" len="med"/>
+                      <a:tailEnd type="none" w="med" len="med"/>
+                    </a:lnR>
+                    <a:lnT w="12700" cap="flat" cmpd="sng" algn="ctr">
+                      <a:solidFill>
+                        <a:srgbClr val="FFFF00"/>
+                      </a:solidFill>
+                      <a:prstDash val="solid"/>
+                      <a:round/>
+                      <a:headEnd type="none" w="med" len="med"/>
+                      <a:tailEnd type="none" w="med" len="med"/>
+                    </a:lnT>
+                    <a:lnB w="12700" cap="flat" cmpd="sng" algn="ctr">
+                      <a:solidFill>
+                        <a:srgbClr val="FFFF00"/>
+                      </a:solidFill>
+                      <a:prstDash val="solid"/>
+                      <a:round/>
+                      <a:headEnd type="none" w="med" len="med"/>
+                      <a:tailEnd type="none" w="med" len="med"/>
+                    </a:lnB>
+                    <a:noFill/>
+                  </a:tcPr>
+                </a:tc>
               </a:tr>
               <a:tr h="370840">
                 <a:tc>
@@ -11375,6 +11966,73 @@
                           </a:solidFill>
                         </a:rPr>
                         <a:t>210</a:t>
+                      </a:r>
+                      <a:endParaRPr lang="en-US" dirty="0">
+                        <a:ln>
+                          <a:noFill/>
+                        </a:ln>
+                        <a:solidFill>
+                          <a:srgbClr val="FFFF00"/>
+                        </a:solidFill>
+                      </a:endParaRPr>
+                    </a:p>
+                  </a:txBody>
+                  <a:tcPr marL="116313" marR="116313">
+                    <a:lnL w="12700" cap="flat" cmpd="sng" algn="ctr">
+                      <a:solidFill>
+                        <a:srgbClr val="FFFF00"/>
+                      </a:solidFill>
+                      <a:prstDash val="solid"/>
+                      <a:round/>
+                      <a:headEnd type="none" w="med" len="med"/>
+                      <a:tailEnd type="none" w="med" len="med"/>
+                    </a:lnL>
+                    <a:lnR w="12700" cap="flat" cmpd="sng" algn="ctr">
+                      <a:solidFill>
+                        <a:srgbClr val="FFFF00"/>
+                      </a:solidFill>
+                      <a:prstDash val="solid"/>
+                      <a:round/>
+                      <a:headEnd type="none" w="med" len="med"/>
+                      <a:tailEnd type="none" w="med" len="med"/>
+                    </a:lnR>
+                    <a:lnT w="12700" cap="flat" cmpd="sng" algn="ctr">
+                      <a:solidFill>
+                        <a:srgbClr val="FFFF00"/>
+                      </a:solidFill>
+                      <a:prstDash val="solid"/>
+                      <a:round/>
+                      <a:headEnd type="none" w="med" len="med"/>
+                      <a:tailEnd type="none" w="med" len="med"/>
+                    </a:lnT>
+                    <a:lnB w="12700" cap="flat" cmpd="sng" algn="ctr">
+                      <a:solidFill>
+                        <a:srgbClr val="FFFF00"/>
+                      </a:solidFill>
+                      <a:prstDash val="solid"/>
+                      <a:round/>
+                      <a:headEnd type="none" w="med" len="med"/>
+                      <a:tailEnd type="none" w="med" len="med"/>
+                    </a:lnB>
+                    <a:noFill/>
+                  </a:tcPr>
+                </a:tc>
+                <a:tc>
+                  <a:txBody>
+                    <a:bodyPr/>
+                    <a:lstStyle/>
+                    <a:p>
+                      <a:pPr algn="r"/>
+                      <a:r>
+                        <a:rPr lang="en-US" dirty="0" smtClean="0">
+                          <a:ln>
+                            <a:noFill/>
+                          </a:ln>
+                          <a:solidFill>
+                            <a:srgbClr val="FFFF00"/>
+                          </a:solidFill>
+                        </a:rPr>
+                        <a:t>810000</a:t>
                       </a:r>
                       <a:endParaRPr lang="en-US" dirty="0">
                         <a:ln>
@@ -11628,6 +12286,73 @@
                     <a:noFill/>
                   </a:tcPr>
                 </a:tc>
+                <a:tc>
+                  <a:txBody>
+                    <a:bodyPr/>
+                    <a:lstStyle/>
+                    <a:p>
+                      <a:pPr algn="r"/>
+                      <a:r>
+                        <a:rPr lang="en-US" dirty="0" smtClean="0">
+                          <a:ln>
+                            <a:noFill/>
+                          </a:ln>
+                          <a:solidFill>
+                            <a:srgbClr val="FFFF00"/>
+                          </a:solidFill>
+                        </a:rPr>
+                        <a:t>405450</a:t>
+                      </a:r>
+                      <a:endParaRPr lang="en-US" dirty="0">
+                        <a:ln>
+                          <a:noFill/>
+                        </a:ln>
+                        <a:solidFill>
+                          <a:srgbClr val="FFFF00"/>
+                        </a:solidFill>
+                      </a:endParaRPr>
+                    </a:p>
+                  </a:txBody>
+                  <a:tcPr marL="116313" marR="116313">
+                    <a:lnL w="12700" cap="flat" cmpd="sng" algn="ctr">
+                      <a:solidFill>
+                        <a:srgbClr val="FFFF00"/>
+                      </a:solidFill>
+                      <a:prstDash val="solid"/>
+                      <a:round/>
+                      <a:headEnd type="none" w="med" len="med"/>
+                      <a:tailEnd type="none" w="med" len="med"/>
+                    </a:lnL>
+                    <a:lnR w="12700" cap="flat" cmpd="sng" algn="ctr">
+                      <a:solidFill>
+                        <a:srgbClr val="FFFF00"/>
+                      </a:solidFill>
+                      <a:prstDash val="solid"/>
+                      <a:round/>
+                      <a:headEnd type="none" w="med" len="med"/>
+                      <a:tailEnd type="none" w="med" len="med"/>
+                    </a:lnR>
+                    <a:lnT w="12700" cap="flat" cmpd="sng" algn="ctr">
+                      <a:solidFill>
+                        <a:srgbClr val="FFFF00"/>
+                      </a:solidFill>
+                      <a:prstDash val="solid"/>
+                      <a:round/>
+                      <a:headEnd type="none" w="med" len="med"/>
+                      <a:tailEnd type="none" w="med" len="med"/>
+                    </a:lnT>
+                    <a:lnB w="12700" cap="flat" cmpd="sng" algn="ctr">
+                      <a:solidFill>
+                        <a:srgbClr val="FFFF00"/>
+                      </a:solidFill>
+                      <a:prstDash val="solid"/>
+                      <a:round/>
+                      <a:headEnd type="none" w="med" len="med"/>
+                      <a:tailEnd type="none" w="med" len="med"/>
+                    </a:lnB>
+                    <a:noFill/>
+                  </a:tcPr>
+                </a:tc>
               </a:tr>
               <a:tr h="370840">
                 <a:tc>
@@ -11779,6 +12504,73 @@
                           </a:solidFill>
                         </a:rPr>
                         <a:t>4.1</a:t>
+                      </a:r>
+                      <a:endParaRPr lang="en-US" dirty="0">
+                        <a:ln>
+                          <a:noFill/>
+                        </a:ln>
+                        <a:solidFill>
+                          <a:srgbClr val="FFFF00"/>
+                        </a:solidFill>
+                      </a:endParaRPr>
+                    </a:p>
+                  </a:txBody>
+                  <a:tcPr marL="116313" marR="116313">
+                    <a:lnL w="12700" cap="flat" cmpd="sng" algn="ctr">
+                      <a:solidFill>
+                        <a:srgbClr val="FFFF00"/>
+                      </a:solidFill>
+                      <a:prstDash val="solid"/>
+                      <a:round/>
+                      <a:headEnd type="none" w="med" len="med"/>
+                      <a:tailEnd type="none" w="med" len="med"/>
+                    </a:lnL>
+                    <a:lnR w="12700" cap="flat" cmpd="sng" algn="ctr">
+                      <a:solidFill>
+                        <a:srgbClr val="FFFF00"/>
+                      </a:solidFill>
+                      <a:prstDash val="solid"/>
+                      <a:round/>
+                      <a:headEnd type="none" w="med" len="med"/>
+                      <a:tailEnd type="none" w="med" len="med"/>
+                    </a:lnR>
+                    <a:lnT w="12700" cap="flat" cmpd="sng" algn="ctr">
+                      <a:solidFill>
+                        <a:srgbClr val="FFFF00"/>
+                      </a:solidFill>
+                      <a:prstDash val="solid"/>
+                      <a:round/>
+                      <a:headEnd type="none" w="med" len="med"/>
+                      <a:tailEnd type="none" w="med" len="med"/>
+                    </a:lnT>
+                    <a:lnB w="12700" cap="flat" cmpd="sng" algn="ctr">
+                      <a:solidFill>
+                        <a:srgbClr val="FFFF00"/>
+                      </a:solidFill>
+                      <a:prstDash val="solid"/>
+                      <a:round/>
+                      <a:headEnd type="none" w="med" len="med"/>
+                      <a:tailEnd type="none" w="med" len="med"/>
+                    </a:lnB>
+                    <a:noFill/>
+                  </a:tcPr>
+                </a:tc>
+                <a:tc>
+                  <a:txBody>
+                    <a:bodyPr/>
+                    <a:lstStyle/>
+                    <a:p>
+                      <a:pPr algn="r"/>
+                      <a:r>
+                        <a:rPr lang="en-US" dirty="0" smtClean="0">
+                          <a:ln>
+                            <a:noFill/>
+                          </a:ln>
+                          <a:solidFill>
+                            <a:srgbClr val="FFFF00"/>
+                          </a:solidFill>
+                        </a:rPr>
+                        <a:t>405450</a:t>
                       </a:r>
                       <a:endParaRPr lang="en-US" dirty="0">
                         <a:ln>
